--- a/Ds644 BigData_projet_Power Consumption of Tetouan City.pptx
+++ b/Ds644 BigData_projet_Power Consumption of Tetouan City.pptx
@@ -4070,7 +4070,7 @@
           <a:p>
             <a:fld id="{4EB1C532-1CD8-4D3D-9AE5-ABFCF7F0D855}" type="datetimeFigureOut">
               <a:rPr lang="en-IN" smtClean="0"/>
-              <a:t>08-12-2023</a:t>
+              <a:t>12-12-2023</a:t>
             </a:fld>
             <a:endParaRPr lang="en-IN"/>
           </a:p>
@@ -4270,7 +4270,7 @@
           <a:p>
             <a:fld id="{4EB1C532-1CD8-4D3D-9AE5-ABFCF7F0D855}" type="datetimeFigureOut">
               <a:rPr lang="en-IN" smtClean="0"/>
-              <a:t>08-12-2023</a:t>
+              <a:t>12-12-2023</a:t>
             </a:fld>
             <a:endParaRPr lang="en-IN"/>
           </a:p>
@@ -4480,7 +4480,7 @@
           <a:p>
             <a:fld id="{4EB1C532-1CD8-4D3D-9AE5-ABFCF7F0D855}" type="datetimeFigureOut">
               <a:rPr lang="en-IN" smtClean="0"/>
-              <a:t>08-12-2023</a:t>
+              <a:t>12-12-2023</a:t>
             </a:fld>
             <a:endParaRPr lang="en-IN"/>
           </a:p>
@@ -4680,7 +4680,7 @@
           <a:p>
             <a:fld id="{4EB1C532-1CD8-4D3D-9AE5-ABFCF7F0D855}" type="datetimeFigureOut">
               <a:rPr lang="en-IN" smtClean="0"/>
-              <a:t>08-12-2023</a:t>
+              <a:t>12-12-2023</a:t>
             </a:fld>
             <a:endParaRPr lang="en-IN"/>
           </a:p>
@@ -4956,7 +4956,7 @@
           <a:p>
             <a:fld id="{4EB1C532-1CD8-4D3D-9AE5-ABFCF7F0D855}" type="datetimeFigureOut">
               <a:rPr lang="en-IN" smtClean="0"/>
-              <a:t>08-12-2023</a:t>
+              <a:t>12-12-2023</a:t>
             </a:fld>
             <a:endParaRPr lang="en-IN"/>
           </a:p>
@@ -5224,7 +5224,7 @@
           <a:p>
             <a:fld id="{4EB1C532-1CD8-4D3D-9AE5-ABFCF7F0D855}" type="datetimeFigureOut">
               <a:rPr lang="en-IN" smtClean="0"/>
-              <a:t>08-12-2023</a:t>
+              <a:t>12-12-2023</a:t>
             </a:fld>
             <a:endParaRPr lang="en-IN"/>
           </a:p>
@@ -5639,7 +5639,7 @@
           <a:p>
             <a:fld id="{4EB1C532-1CD8-4D3D-9AE5-ABFCF7F0D855}" type="datetimeFigureOut">
               <a:rPr lang="en-IN" smtClean="0"/>
-              <a:t>08-12-2023</a:t>
+              <a:t>12-12-2023</a:t>
             </a:fld>
             <a:endParaRPr lang="en-IN"/>
           </a:p>
@@ -5781,7 +5781,7 @@
           <a:p>
             <a:fld id="{4EB1C532-1CD8-4D3D-9AE5-ABFCF7F0D855}" type="datetimeFigureOut">
               <a:rPr lang="en-IN" smtClean="0"/>
-              <a:t>08-12-2023</a:t>
+              <a:t>12-12-2023</a:t>
             </a:fld>
             <a:endParaRPr lang="en-IN"/>
           </a:p>
@@ -5894,7 +5894,7 @@
           <a:p>
             <a:fld id="{4EB1C532-1CD8-4D3D-9AE5-ABFCF7F0D855}" type="datetimeFigureOut">
               <a:rPr lang="en-IN" smtClean="0"/>
-              <a:t>08-12-2023</a:t>
+              <a:t>12-12-2023</a:t>
             </a:fld>
             <a:endParaRPr lang="en-IN"/>
           </a:p>
@@ -6207,7 +6207,7 @@
           <a:p>
             <a:fld id="{4EB1C532-1CD8-4D3D-9AE5-ABFCF7F0D855}" type="datetimeFigureOut">
               <a:rPr lang="en-IN" smtClean="0"/>
-              <a:t>08-12-2023</a:t>
+              <a:t>12-12-2023</a:t>
             </a:fld>
             <a:endParaRPr lang="en-IN"/>
           </a:p>
@@ -6496,7 +6496,7 @@
           <a:p>
             <a:fld id="{4EB1C532-1CD8-4D3D-9AE5-ABFCF7F0D855}" type="datetimeFigureOut">
               <a:rPr lang="en-IN" smtClean="0"/>
-              <a:t>08-12-2023</a:t>
+              <a:t>12-12-2023</a:t>
             </a:fld>
             <a:endParaRPr lang="en-IN"/>
           </a:p>
@@ -6739,7 +6739,7 @@
           <a:p>
             <a:fld id="{4EB1C532-1CD8-4D3D-9AE5-ABFCF7F0D855}" type="datetimeFigureOut">
               <a:rPr lang="en-IN" smtClean="0"/>
-              <a:t>08-12-2023</a:t>
+              <a:t>12-12-2023</a:t>
             </a:fld>
             <a:endParaRPr lang="en-IN"/>
           </a:p>
@@ -8195,10 +8195,10 @@
       </p:pic>
       <p:pic>
         <p:nvPicPr>
-          <p:cNvPr id="8" name="Picture 7">
-            <a:extLst>
-              <a:ext uri="{FF2B5EF4-FFF2-40B4-BE49-F238E27FC236}">
-                <a16:creationId xmlns:a16="http://schemas.microsoft.com/office/drawing/2014/main" id="{083C8B83-BE05-6506-EC05-2138E32522FD}"/>
+          <p:cNvPr id="5" name="Picture 4">
+            <a:extLst>
+              <a:ext uri="{FF2B5EF4-FFF2-40B4-BE49-F238E27FC236}">
+                <a16:creationId xmlns:a16="http://schemas.microsoft.com/office/drawing/2014/main" id="{355B3D33-A1F1-27BC-DBC9-8C4C4D0BAF83}"/>
               </a:ext>
             </a:extLst>
           </p:cNvPr>
@@ -8216,7 +8216,7 @@
         <p:spPr>
           <a:xfrm>
             <a:off x="5458265" y="946956"/>
-            <a:ext cx="6733735" cy="5805536"/>
+            <a:ext cx="6733735" cy="5911044"/>
           </a:xfrm>
           <a:prstGeom prst="rect">
             <a:avLst/>
@@ -8255,10 +8255,10 @@
       </p:grpSpPr>
       <p:pic>
         <p:nvPicPr>
-          <p:cNvPr id="5" name="Picture 4">
-            <a:extLst>
-              <a:ext uri="{FF2B5EF4-FFF2-40B4-BE49-F238E27FC236}">
-                <a16:creationId xmlns:a16="http://schemas.microsoft.com/office/drawing/2014/main" id="{CAA593C7-7158-3BA7-B94D-88DDD12DB807}"/>
+          <p:cNvPr id="3" name="Picture 2">
+            <a:extLst>
+              <a:ext uri="{FF2B5EF4-FFF2-40B4-BE49-F238E27FC236}">
+                <a16:creationId xmlns:a16="http://schemas.microsoft.com/office/drawing/2014/main" id="{FAF2BE86-4F29-F094-7574-7E3D682BB902}"/>
               </a:ext>
             </a:extLst>
           </p:cNvPr>
@@ -8275,8 +8275,38 @@
         </p:blipFill>
         <p:spPr>
           <a:xfrm>
-            <a:off x="1885071" y="618979"/>
-            <a:ext cx="7779434" cy="5669280"/>
+            <a:off x="1561513" y="37627"/>
+            <a:ext cx="9284677" cy="3391373"/>
+          </a:xfrm>
+          <a:prstGeom prst="rect">
+            <a:avLst/>
+          </a:prstGeom>
+        </p:spPr>
+      </p:pic>
+      <p:pic>
+        <p:nvPicPr>
+          <p:cNvPr id="6" name="Picture 5">
+            <a:extLst>
+              <a:ext uri="{FF2B5EF4-FFF2-40B4-BE49-F238E27FC236}">
+                <a16:creationId xmlns:a16="http://schemas.microsoft.com/office/drawing/2014/main" id="{FD21A786-2DB3-622B-0742-1B2BCB1AC6B0}"/>
+              </a:ext>
+            </a:extLst>
+          </p:cNvPr>
+          <p:cNvPicPr>
+            <a:picLocks noChangeAspect="1"/>
+          </p:cNvPicPr>
+          <p:nvPr/>
+        </p:nvPicPr>
+        <p:blipFill>
+          <a:blip r:embed="rId3"/>
+          <a:stretch>
+            <a:fillRect/>
+          </a:stretch>
+        </p:blipFill>
+        <p:spPr>
+          <a:xfrm>
+            <a:off x="1814733" y="3429000"/>
+            <a:ext cx="8060788" cy="3391372"/>
           </a:xfrm>
           <a:prstGeom prst="rect">
             <a:avLst/>
@@ -8323,10 +8353,10 @@
       </p:grpSpPr>
       <p:sp useBgFill="1">
         <p:nvSpPr>
-          <p:cNvPr id="17" name="Rectangle 16">
-            <a:extLst>
-              <a:ext uri="{FF2B5EF4-FFF2-40B4-BE49-F238E27FC236}">
-                <a16:creationId xmlns:a16="http://schemas.microsoft.com/office/drawing/2014/main" id="{1BB867FF-FC45-48F7-8104-F89BE54909F1}"/>
+          <p:cNvPr id="24" name="Rectangle 23">
+            <a:extLst>
+              <a:ext uri="{FF2B5EF4-FFF2-40B4-BE49-F238E27FC236}">
+                <a16:creationId xmlns:a16="http://schemas.microsoft.com/office/drawing/2014/main" id="{907EF6B7-1338-4443-8C46-6A318D952DFD}"/>
               </a:ext>
               <a:ext uri="{C183D7F6-B498-43B3-948B-1728B52AA6E4}">
                 <adec:decorative xmlns:adec="http://schemas.microsoft.com/office/drawing/2017/decorative" val="1"/>
@@ -8383,10 +8413,10 @@
       </p:sp>
       <p:sp>
         <p:nvSpPr>
-          <p:cNvPr id="18" name="Freeform: Shape 17">
-            <a:extLst>
-              <a:ext uri="{FF2B5EF4-FFF2-40B4-BE49-F238E27FC236}">
-                <a16:creationId xmlns:a16="http://schemas.microsoft.com/office/drawing/2014/main" id="{8BB56887-D0D5-4F0C-9E19-7247EB83C8B7}"/>
+          <p:cNvPr id="26" name="Freeform: Shape 25">
+            <a:extLst>
+              <a:ext uri="{FF2B5EF4-FFF2-40B4-BE49-F238E27FC236}">
+                <a16:creationId xmlns:a16="http://schemas.microsoft.com/office/drawing/2014/main" id="{DAAE4CDD-124C-4DCF-9584-B6033B545DD5}"/>
               </a:ext>
               <a:ext uri="{C183D7F6-B498-43B3-948B-1728B52AA6E4}">
                 <adec:decorative xmlns:adec="http://schemas.microsoft.com/office/drawing/2017/decorative" val="1"/>
@@ -8406,22 +8436,26 @@
         </p:nvSpPr>
         <p:spPr>
           <a:xfrm>
-            <a:off x="10208695" y="1"/>
-            <a:ext cx="1135066" cy="477997"/>
+            <a:off x="1" y="0"/>
+            <a:ext cx="4167271" cy="6858000"/>
           </a:xfrm>
           <a:custGeom>
             <a:avLst/>
             <a:gdLst>
-              <a:gd name="connsiteX0" fmla="*/ 0 w 1135066"/>
-              <a:gd name="connsiteY0" fmla="*/ 0 h 477997"/>
-              <a:gd name="connsiteX1" fmla="*/ 1135066 w 1135066"/>
-              <a:gd name="connsiteY1" fmla="*/ 0 h 477997"/>
-              <a:gd name="connsiteX2" fmla="*/ 1133370 w 1135066"/>
-              <a:gd name="connsiteY2" fmla="*/ 16827 h 477997"/>
-              <a:gd name="connsiteX3" fmla="*/ 567533 w 1135066"/>
-              <a:gd name="connsiteY3" fmla="*/ 477997 h 477997"/>
-              <a:gd name="connsiteX4" fmla="*/ 1696 w 1135066"/>
-              <a:gd name="connsiteY4" fmla="*/ 16827 h 477997"/>
+              <a:gd name="connsiteX0" fmla="*/ 0 w 4167271"/>
+              <a:gd name="connsiteY0" fmla="*/ 0 h 6858000"/>
+              <a:gd name="connsiteX1" fmla="*/ 2259550 w 4167271"/>
+              <a:gd name="connsiteY1" fmla="*/ 0 h 6858000"/>
+              <a:gd name="connsiteX2" fmla="*/ 2387803 w 4167271"/>
+              <a:gd name="connsiteY2" fmla="*/ 82222 h 6858000"/>
+              <a:gd name="connsiteX3" fmla="*/ 4167271 w 4167271"/>
+              <a:gd name="connsiteY3" fmla="*/ 3429000 h 6858000"/>
+              <a:gd name="connsiteX4" fmla="*/ 2387803 w 4167271"/>
+              <a:gd name="connsiteY4" fmla="*/ 6775779 h 6858000"/>
+              <a:gd name="connsiteX5" fmla="*/ 2259550 w 4167271"/>
+              <a:gd name="connsiteY5" fmla="*/ 6858000 h 6858000"/>
+              <a:gd name="connsiteX6" fmla="*/ 0 w 4167271"/>
+              <a:gd name="connsiteY6" fmla="*/ 6858000 h 6858000"/>
             </a:gdLst>
             <a:ahLst/>
             <a:cxnLst>
@@ -8440,35 +8474,47 @@
               <a:cxn ang="0">
                 <a:pos x="connsiteX4" y="connsiteY4"/>
               </a:cxn>
+              <a:cxn ang="0">
+                <a:pos x="connsiteX5" y="connsiteY5"/>
+              </a:cxn>
+              <a:cxn ang="0">
+                <a:pos x="connsiteX6" y="connsiteY6"/>
+              </a:cxn>
             </a:cxnLst>
             <a:rect l="l" t="t" r="r" b="b"/>
             <a:pathLst>
-              <a:path w="1135066" h="477997">
+              <a:path w="4167271" h="6858000">
                 <a:moveTo>
                   <a:pt x="0" y="0"/>
                 </a:moveTo>
                 <a:lnTo>
-                  <a:pt x="1135066" y="0"/>
+                  <a:pt x="2259550" y="0"/>
                 </a:lnTo>
                 <a:lnTo>
-                  <a:pt x="1133370" y="16827"/>
+                  <a:pt x="2387803" y="82222"/>
                 </a:lnTo>
                 <a:cubicBezTo>
-                  <a:pt x="1079514" y="280016"/>
-                  <a:pt x="846644" y="477997"/>
-                  <a:pt x="567533" y="477997"/>
+                  <a:pt x="3461407" y="807534"/>
+                  <a:pt x="4167271" y="2035835"/>
+                  <a:pt x="4167271" y="3429000"/>
                 </a:cubicBezTo>
                 <a:cubicBezTo>
-                  <a:pt x="288422" y="477997"/>
-                  <a:pt x="55552" y="280016"/>
-                  <a:pt x="1696" y="16827"/>
+                  <a:pt x="4167271" y="4822165"/>
+                  <a:pt x="3461407" y="6050467"/>
+                  <a:pt x="2387803" y="6775779"/>
                 </a:cubicBezTo>
+                <a:lnTo>
+                  <a:pt x="2259550" y="6858000"/>
+                </a:lnTo>
+                <a:lnTo>
+                  <a:pt x="0" y="6858000"/>
+                </a:lnTo>
                 <a:close/>
               </a:path>
             </a:pathLst>
           </a:custGeom>
           <a:solidFill>
-            <a:schemeClr val="accent4"/>
+            <a:schemeClr val="accent2"/>
           </a:solidFill>
           <a:ln>
             <a:noFill/>
@@ -8491,9 +8537,7 @@
           </a:fontRef>
         </p:style>
         <p:txBody>
-          <a:bodyPr wrap="square" rtlCol="0" anchor="ctr">
-            <a:noAutofit/>
-          </a:bodyPr>
+          <a:bodyPr rtlCol="0" anchor="ctr"/>
           <a:lstStyle/>
           <a:p>
             <a:pPr algn="ctr"/>
@@ -8519,8 +8563,8 @@
         </p:nvSpPr>
         <p:spPr>
           <a:xfrm>
-            <a:off x="838200" y="365125"/>
-            <a:ext cx="10515600" cy="1325563"/>
+            <a:off x="686834" y="1153572"/>
+            <a:ext cx="3200400" cy="4461163"/>
           </a:xfrm>
         </p:spPr>
         <p:txBody>
@@ -8530,16 +8574,24 @@
           <a:lstStyle/>
           <a:p>
             <a:r>
-              <a:rPr lang="en-US" b="1"/>
+              <a:rPr lang="en-US" b="1">
+                <a:solidFill>
+                  <a:srgbClr val="FFFFFF"/>
+                </a:solidFill>
+              </a:rPr>
               <a:t>Results1:</a:t>
             </a:r>
-            <a:endParaRPr lang="en-IN" b="1"/>
+            <a:endParaRPr lang="en-IN" b="1">
+              <a:solidFill>
+                <a:srgbClr val="FFFFFF"/>
+              </a:solidFill>
+            </a:endParaRPr>
           </a:p>
         </p:txBody>
       </p:sp>
       <p:sp>
         <p:nvSpPr>
-          <p:cNvPr id="19" name="Arc 18">
+          <p:cNvPr id="28" name="Arc 27">
             <a:extLst>
               <a:ext uri="{FF2B5EF4-FFF2-40B4-BE49-F238E27FC236}">
                 <a16:creationId xmlns:a16="http://schemas.microsoft.com/office/drawing/2014/main" id="{081E4A58-353D-44AE-B2FC-2A74E2E400F7}"/>
@@ -8561,8 +8613,8 @@
           </p:nvPr>
         </p:nvSpPr>
         <p:spPr>
-          <a:xfrm rot="5400000" flipV="1">
-            <a:off x="555710" y="2183223"/>
+          <a:xfrm flipV="1">
+            <a:off x="7550402" y="2455479"/>
             <a:ext cx="4083433" cy="4083433"/>
           </a:xfrm>
           <a:prstGeom prst="arc">
@@ -8616,64 +8668,52 @@
         </p:nvSpPr>
         <p:spPr>
           <a:xfrm>
-            <a:off x="838200" y="1825625"/>
-            <a:ext cx="10515600" cy="4351338"/>
+            <a:off x="4447308" y="591344"/>
+            <a:ext cx="6906491" cy="5585619"/>
           </a:xfrm>
         </p:spPr>
         <p:txBody>
-          <a:bodyPr>
+          <a:bodyPr anchor="ctr">
             <a:normAutofit/>
           </a:bodyPr>
           <a:lstStyle/>
           <a:p>
             <a:r>
-              <a:rPr lang="en-US" sz="1800"/>
-              <a:t>It seems there's an issue with excessively high MSE values for </a:t>
+              <a:rPr lang="en-US" sz="2400"/>
+              <a:t>The best average accuracy score was achieved with a learning rate of 1e-04 (0.8044). The accuracy scores are relatively stable across different learning rates, except for the lowest and highest learning rates. This suggests that the </a:t>
             </a:r>
             <a:r>
-              <a:rPr lang="en-US" sz="1800" err="1"/>
+              <a:rPr lang="en-US" sz="2400" err="1"/>
               <a:t>SGDRegressor</a:t>
             </a:r>
             <a:r>
-              <a:rPr lang="en-US" sz="1800"/>
-              <a:t> with learning rates 0.01, 0.1, and 1, resulting in numerical instability (values too large to be represented).</a:t>
+              <a:rPr lang="en-US" sz="2400"/>
+              <a:t> model is not very sensitive to the choice of learning rate in this case.</a:t>
             </a:r>
           </a:p>
           <a:p>
-            <a:endParaRPr lang="en-US" sz="1800"/>
+            <a:endParaRPr lang="en-US" sz="2400"/>
+          </a:p>
+          <a:p>
+            <a:pPr marL="0" indent="0">
+              <a:buNone/>
+            </a:pPr>
+            <a:endParaRPr lang="en-US" sz="2400"/>
           </a:p>
           <a:p>
             <a:r>
-              <a:rPr lang="en-US" sz="1800"/>
-              <a:t>This could indicate that the learning rate is too high for those particular values. These extraordinarily large values often signify divergence during training, where the model fails to converge due to the step size being too large.</a:t>
-            </a:r>
-          </a:p>
-          <a:p>
-            <a:endParaRPr lang="en-US" sz="1800"/>
-          </a:p>
-          <a:p>
-            <a:r>
-              <a:rPr lang="en-US" sz="1800"/>
-              <a:t>It might be necessary to adjust the learning rates, especially for the higher values, and consider a more fine-grained search around the optimal learning rate (e.g., reducing the learning rate by orders of magnitude).</a:t>
-            </a:r>
-          </a:p>
-          <a:p>
-            <a:endParaRPr lang="en-US" sz="1800"/>
-          </a:p>
-          <a:p>
-            <a:r>
-              <a:rPr lang="en-US" sz="1800"/>
+              <a:rPr lang="en-US" sz="2400"/>
               <a:t>For </a:t>
             </a:r>
             <a:r>
-              <a:rPr lang="en-US" sz="1800" err="1"/>
+              <a:rPr lang="en-US" sz="2400" err="1"/>
               <a:t>LinearSVC</a:t>
             </a:r>
             <a:r>
-              <a:rPr lang="en-US" sz="1800"/>
+              <a:rPr lang="en-US" sz="2400"/>
               <a:t>, the F1-scores seem relatively stable across different values of the regularization parameter C, with a peak around 1. We can consider narrowing down the search space for C or performing further fine-tuning around this range to refine the performance of the model.</a:t>
             </a:r>
-            <a:endParaRPr lang="en-IN" sz="1800"/>
+            <a:endParaRPr lang="en-IN" sz="2400"/>
           </a:p>
         </p:txBody>
       </p:sp>
@@ -8894,10 +8934,10 @@
       </p:sp>
       <p:pic>
         <p:nvPicPr>
-          <p:cNvPr id="7" name="Picture 6">
-            <a:extLst>
-              <a:ext uri="{FF2B5EF4-FFF2-40B4-BE49-F238E27FC236}">
-                <a16:creationId xmlns:a16="http://schemas.microsoft.com/office/drawing/2014/main" id="{8CDDBEE0-A047-CEB3-3D4C-A56A5409B848}"/>
+          <p:cNvPr id="3" name="Picture 2">
+            <a:extLst>
+              <a:ext uri="{FF2B5EF4-FFF2-40B4-BE49-F238E27FC236}">
+                <a16:creationId xmlns:a16="http://schemas.microsoft.com/office/drawing/2014/main" id="{022460AD-0CE6-7EB1-04FC-66DCCBCA7256}"/>
               </a:ext>
             </a:extLst>
           </p:cNvPr>
@@ -8914,8 +8954,8 @@
         </p:blipFill>
         <p:spPr>
           <a:xfrm>
-            <a:off x="1856935" y="1001233"/>
-            <a:ext cx="8282992" cy="4217881"/>
+            <a:off x="1916483" y="809222"/>
+            <a:ext cx="7232158" cy="5039428"/>
           </a:xfrm>
           <a:prstGeom prst="rect">
             <a:avLst/>
@@ -8924,10 +8964,10 @@
       </p:pic>
       <p:pic>
         <p:nvPicPr>
-          <p:cNvPr id="9" name="Picture 8">
-            <a:extLst>
-              <a:ext uri="{FF2B5EF4-FFF2-40B4-BE49-F238E27FC236}">
-                <a16:creationId xmlns:a16="http://schemas.microsoft.com/office/drawing/2014/main" id="{D4513F88-F58A-B4AF-C3A5-62A0AE0EEBF1}"/>
+          <p:cNvPr id="6" name="Picture 5">
+            <a:extLst>
+              <a:ext uri="{FF2B5EF4-FFF2-40B4-BE49-F238E27FC236}">
+                <a16:creationId xmlns:a16="http://schemas.microsoft.com/office/drawing/2014/main" id="{AFBEAFCC-085E-75EF-36F9-888FD49C279D}"/>
               </a:ext>
             </a:extLst>
           </p:cNvPr>
@@ -8944,8 +8984,8 @@
         </p:blipFill>
         <p:spPr>
           <a:xfrm>
-            <a:off x="2166425" y="5390976"/>
-            <a:ext cx="7669208" cy="842468"/>
+            <a:off x="1610099" y="6020593"/>
+            <a:ext cx="6792273" cy="618201"/>
           </a:xfrm>
           <a:prstGeom prst="rect">
             <a:avLst/>
@@ -9521,42 +9561,26 @@
           <a:lstStyle/>
           <a:p>
             <a:r>
-              <a:rPr lang="en-US"/>
-              <a:t>The results with </a:t>
+              <a:rPr lang="en-US" dirty="0"/>
+              <a:t>Comparing the performance between these models, the </a:t>
             </a:r>
             <a:r>
-              <a:rPr lang="en-US" err="1"/>
-              <a:t>GridSearchCV</a:t>
+              <a:rPr lang="en-US" dirty="0" err="1"/>
+              <a:t>LinearSVC</a:t>
             </a:r>
             <a:r>
-              <a:rPr lang="en-US"/>
-              <a:t> and </a:t>
+              <a:rPr lang="en-US" dirty="0"/>
+              <a:t> seems to have a higher F1 score, indicating a better balance between precision and recall for the given classes compared to the accuracy of the </a:t>
             </a:r>
             <a:r>
-              <a:rPr lang="en-US" err="1"/>
-              <a:t>RandomizedCV</a:t>
-            </a:r>
-            <a:r>
-              <a:rPr lang="en-US"/>
-              <a:t> indicate that the optimized parameters obtained through hyperparameter tuning have resulted in improved performance for both models, as measured by MSE for </a:t>
-            </a:r>
-            <a:r>
-              <a:rPr lang="en-US" err="1"/>
+              <a:rPr lang="en-US" dirty="0" err="1"/>
               <a:t>SGDRegressor</a:t>
             </a:r>
             <a:r>
-              <a:rPr lang="en-US"/>
-              <a:t> and F1-score for </a:t>
+              <a:rPr lang="en-US" dirty="0"/>
+              <a:t> with threshold-based classification.</a:t>
             </a:r>
-            <a:r>
-              <a:rPr lang="en-US" err="1"/>
-              <a:t>LinearSVC</a:t>
-            </a:r>
-            <a:r>
-              <a:rPr lang="en-US"/>
-              <a:t>.</a:t>
-            </a:r>
-            <a:endParaRPr lang="en-IN"/>
+            <a:endParaRPr lang="en-IN" dirty="0"/>
           </a:p>
         </p:txBody>
       </p:sp>
@@ -9975,34 +9999,37 @@
         </p:spPr>
         <p:txBody>
           <a:bodyPr>
-            <a:normAutofit/>
+            <a:normAutofit lnSpcReduction="10000"/>
           </a:bodyPr>
           <a:lstStyle/>
           <a:p>
+            <a:endParaRPr lang="en-US" sz="1800" dirty="0"/>
+          </a:p>
+          <a:p>
             <a:r>
-              <a:rPr lang="en-US" sz="1800"/>
+              <a:rPr lang="en-US" sz="1800" dirty="0"/>
+              <a:t>The best average accuracy score was achieved with a learning rate of 1e-04 (0.8044). The accuracy scores are relatively stable across different learning rates, except for the lowest and highest learning rates. This suggests that the </a:t>
+            </a:r>
+            <a:r>
+              <a:rPr lang="en-US" sz="1800" dirty="0" err="1"/>
+              <a:t>SGDRegressor</a:t>
+            </a:r>
+            <a:r>
+              <a:rPr lang="en-US" sz="1800" dirty="0"/>
+              <a:t> model is not very sensitive to the choice of learning rate in this case.</a:t>
+            </a:r>
+          </a:p>
+          <a:p>
+            <a:r>
+              <a:rPr lang="en-US" sz="1800" dirty="0"/>
               <a:t>For </a:t>
             </a:r>
             <a:r>
-              <a:rPr lang="en-US" sz="1800" err="1"/>
-              <a:t>SGDRegressor</a:t>
-            </a:r>
-            <a:r>
-              <a:rPr lang="en-US" sz="1800"/>
-              <a:t>, the learning rates 1e-05 and 0.0001 showcase better convergence and lower MSE compared to extreme values. It might be beneficial to focus on these lower rates for stability and improved performance.</a:t>
-            </a:r>
-          </a:p>
-          <a:p>
-            <a:r>
-              <a:rPr lang="en-US" sz="1800"/>
-              <a:t>For </a:t>
-            </a:r>
-            <a:r>
-              <a:rPr lang="en-US" sz="1800" err="1"/>
+              <a:rPr lang="en-US" sz="1800" dirty="0" err="1"/>
               <a:t>LinearSVC</a:t>
             </a:r>
             <a:r>
-              <a:rPr lang="en-US" sz="1800"/>
+              <a:rPr lang="en-US" sz="1800" dirty="0"/>
               <a:t>, the F1-scores are relatively consistent across C values, but the peak performance is seen around C=1. This suggests that the model performs well with moderate regularization.</a:t>
             </a:r>
           </a:p>
@@ -10010,26 +10037,26 @@
             <a:pPr marL="0" indent="0">
               <a:buNone/>
             </a:pPr>
-            <a:endParaRPr lang="en-US" sz="1800"/>
+            <a:endParaRPr lang="en-US" sz="1800" dirty="0"/>
           </a:p>
           <a:p>
             <a:r>
-              <a:rPr lang="en-US" sz="1800"/>
+              <a:rPr lang="en-US" sz="1800" dirty="0"/>
               <a:t>Find my code here :</a:t>
             </a:r>
             <a:r>
-              <a:rPr lang="en-US" sz="1800">
+              <a:rPr lang="en-US" sz="1800" dirty="0">
                 <a:hlinkClick r:id="rId2"/>
               </a:rPr>
               <a:t>https://github.com/yashwanthreddy7178/</a:t>
             </a:r>
             <a:r>
-              <a:rPr lang="en-US" sz="1800" err="1">
+              <a:rPr lang="en-US" sz="1800" dirty="0" err="1">
                 <a:hlinkClick r:id="rId2"/>
               </a:rPr>
               <a:t>bigdataproject</a:t>
             </a:r>
-            <a:endParaRPr lang="en-IN" sz="1800"/>
+            <a:endParaRPr lang="en-IN" sz="1800" dirty="0"/>
           </a:p>
         </p:txBody>
       </p:sp>
